--- a/Debugging Challenge Instructions.pptx
+++ b/Debugging Challenge Instructions.pptx
@@ -3357,8 +3357,8 @@
         </p:nvSpPr>
         <p:spPr>
           <a:xfrm>
-            <a:off x="2820602" y="1553593"/>
-            <a:ext cx="5746349" cy="3318954"/>
+            <a:off x="2820602" y="1553592"/>
+            <a:ext cx="5746349" cy="3613211"/>
           </a:xfrm>
           <a:prstGeom prst="rect">
             <a:avLst/>
@@ -3522,6 +3522,42 @@
               <a:buChar char="-"/>
             </a:pPr>
             <a:endParaRPr lang="en-GB" dirty="0"/>
+          </a:p>
+        </p:txBody>
+      </p:sp>
+      <p:sp>
+        <p:nvSpPr>
+          <p:cNvPr id="9" name="TextBox 8">
+            <a:extLst>
+              <a:ext uri="{FF2B5EF4-FFF2-40B4-BE49-F238E27FC236}">
+                <a16:creationId xmlns:a16="http://schemas.microsoft.com/office/drawing/2014/main" id="{21422336-48A7-410C-B3AD-1DC3778E2DEE}"/>
+              </a:ext>
+            </a:extLst>
+          </p:cNvPr>
+          <p:cNvSpPr txBox="1"/>
+          <p:nvPr/>
+        </p:nvSpPr>
+        <p:spPr>
+          <a:xfrm>
+            <a:off x="2820602" y="292963"/>
+            <a:ext cx="4805316" cy="461665"/>
+          </a:xfrm>
+          <a:prstGeom prst="rect">
+            <a:avLst/>
+          </a:prstGeom>
+          <a:noFill/>
+        </p:spPr>
+        <p:txBody>
+          <a:bodyPr wrap="square" rtlCol="0">
+            <a:spAutoFit/>
+          </a:bodyPr>
+          <a:lstStyle/>
+          <a:p>
+            <a:pPr algn="ctr"/>
+            <a:r>
+              <a:rPr lang="en-GB" sz="2400" dirty="0"/>
+              <a:t>Class Diagram:</a:t>
+            </a:r>
           </a:p>
         </p:txBody>
       </p:sp>
